--- a/docs/documentation_files/_site/figures/figures_schemes.pptx
+++ b/docs/documentation_files/_site/figures/figures_schemes.pptx
@@ -3367,7 +3367,7 @@
           </a:prstGeom>
           <a:solidFill>
             <a:schemeClr val="bg1">
-              <a:lumMod val="50000"/>
+              <a:lumMod val="85000"/>
             </a:schemeClr>
           </a:solidFill>
           <a:ln>
@@ -3673,7 +3673,7 @@
         <p:spPr>
           <a:xfrm>
             <a:off x="2041682" y="3980334"/>
-            <a:ext cx="4584778" cy="1161826"/>
+            <a:ext cx="6331610" cy="1161826"/>
           </a:xfrm>
           <a:prstGeom prst="roundRect">
             <a:avLst/>
@@ -4402,7 +4402,7 @@
         <p:spPr>
           <a:xfrm>
             <a:off x="1744526" y="466941"/>
-            <a:ext cx="611514" cy="369332"/>
+            <a:ext cx="1234825" cy="369332"/>
           </a:xfrm>
           <a:prstGeom prst="rect">
             <a:avLst/>
@@ -4417,7 +4417,7 @@
           <a:p>
             <a:r>
               <a:rPr lang="en-US" b="1" dirty="0"/>
-              <a:t>data</a:t>
+              <a:t>data folder</a:t>
             </a:r>
           </a:p>
         </p:txBody>
@@ -4436,8 +4436,8 @@
         </p:nvSpPr>
         <p:spPr>
           <a:xfrm>
-            <a:off x="2124892" y="780313"/>
-            <a:ext cx="1013867" cy="369332"/>
+            <a:off x="1821627" y="787730"/>
+            <a:ext cx="1608325" cy="369332"/>
           </a:xfrm>
           <a:prstGeom prst="rect">
             <a:avLst/>
@@ -4451,12 +4451,8 @@
           <a:lstStyle/>
           <a:p>
             <a:r>
-              <a:rPr lang="en-US" b="1" dirty="0">
-                <a:solidFill>
-                  <a:schemeClr val="bg1"/>
-                </a:solidFill>
-              </a:rPr>
-              <a:t>dataset1</a:t>
+              <a:rPr lang="en-US" dirty="0"/>
+              <a:t>dataset1 folder</a:t>
             </a:r>
           </a:p>
         </p:txBody>
@@ -4475,8 +4471,8 @@
         </p:nvSpPr>
         <p:spPr>
           <a:xfrm>
-            <a:off x="3881308" y="780313"/>
-            <a:ext cx="1013867" cy="369332"/>
+            <a:off x="3579532" y="780313"/>
+            <a:ext cx="1608325" cy="369332"/>
           </a:xfrm>
           <a:prstGeom prst="rect">
             <a:avLst/>
@@ -4490,12 +4486,8 @@
           <a:lstStyle/>
           <a:p>
             <a:r>
-              <a:rPr lang="en-US" b="1" dirty="0">
-                <a:solidFill>
-                  <a:schemeClr val="bg1"/>
-                </a:solidFill>
-              </a:rPr>
-              <a:t>dataset2</a:t>
+              <a:rPr lang="en-US" dirty="0"/>
+              <a:t>dataset2 folder</a:t>
             </a:r>
           </a:p>
         </p:txBody>
@@ -4514,8 +4506,8 @@
         </p:nvSpPr>
         <p:spPr>
           <a:xfrm>
-            <a:off x="5584513" y="780313"/>
-            <a:ext cx="1013867" cy="369332"/>
+            <a:off x="5338399" y="780312"/>
+            <a:ext cx="1608325" cy="369332"/>
           </a:xfrm>
           <a:prstGeom prst="rect">
             <a:avLst/>
@@ -4529,12 +4521,8 @@
           <a:lstStyle/>
           <a:p>
             <a:r>
-              <a:rPr lang="en-US" b="1" dirty="0">
-                <a:solidFill>
-                  <a:schemeClr val="bg1"/>
-                </a:solidFill>
-              </a:rPr>
-              <a:t>dataset3</a:t>
+              <a:rPr lang="en-US" dirty="0"/>
+              <a:t>dataset3 folder</a:t>
             </a:r>
           </a:p>
         </p:txBody>
@@ -4738,6 +4726,115 @@
           </a:p>
         </p:txBody>
       </p:sp>
+      <p:sp>
+        <p:nvSpPr>
+          <p:cNvPr id="93" name="Rounded Rectangle 92">
+            <a:extLst>
+              <a:ext uri="{FF2B5EF4-FFF2-40B4-BE49-F238E27FC236}">
+                <a16:creationId xmlns:a16="http://schemas.microsoft.com/office/drawing/2014/main" id="{6C92FD09-E135-124B-9F0C-E03C1330F393}"/>
+              </a:ext>
+            </a:extLst>
+          </p:cNvPr>
+          <p:cNvSpPr/>
+          <p:nvPr/>
+        </p:nvSpPr>
+        <p:spPr>
+          <a:xfrm>
+            <a:off x="7010984" y="4165000"/>
+            <a:ext cx="1210364" cy="376517"/>
+          </a:xfrm>
+          <a:prstGeom prst="roundRect">
+            <a:avLst/>
+          </a:prstGeom>
+          <a:solidFill>
+            <a:schemeClr val="accent6">
+              <a:lumMod val="40000"/>
+              <a:lumOff val="60000"/>
+            </a:schemeClr>
+          </a:solidFill>
+          <a:ln>
+            <a:noFill/>
+          </a:ln>
+        </p:spPr>
+        <p:style>
+          <a:lnRef idx="2">
+            <a:schemeClr val="accent1">
+              <a:shade val="50000"/>
+            </a:schemeClr>
+          </a:lnRef>
+          <a:fillRef idx="1">
+            <a:schemeClr val="accent1"/>
+          </a:fillRef>
+          <a:effectRef idx="0">
+            <a:schemeClr val="accent1"/>
+          </a:effectRef>
+          <a:fontRef idx="minor">
+            <a:schemeClr val="lt1"/>
+          </a:fontRef>
+        </p:style>
+        <p:txBody>
+          <a:bodyPr rtlCol="0" anchor="ctr"/>
+          <a:lstStyle/>
+          <a:p>
+            <a:pPr algn="ctr"/>
+            <a:r>
+              <a:rPr lang="en-US" dirty="0">
+                <a:solidFill>
+                  <a:schemeClr val="tx1"/>
+                </a:solidFill>
+              </a:rPr>
+              <a:t>metadata</a:t>
+            </a:r>
+          </a:p>
+        </p:txBody>
+      </p:sp>
+      <p:cxnSp>
+        <p:nvCxnSpPr>
+          <p:cNvPr id="94" name="Elbow Connector 93">
+            <a:extLst>
+              <a:ext uri="{FF2B5EF4-FFF2-40B4-BE49-F238E27FC236}">
+                <a16:creationId xmlns:a16="http://schemas.microsoft.com/office/drawing/2014/main" id="{9CA5BA26-4230-1F41-934C-693B8486AC11}"/>
+              </a:ext>
+            </a:extLst>
+          </p:cNvPr>
+          <p:cNvCxnSpPr>
+            <a:cxnSpLocks/>
+            <a:endCxn id="93" idx="0"/>
+          </p:cNvCxnSpPr>
+          <p:nvPr/>
+        </p:nvCxnSpPr>
+        <p:spPr>
+          <a:xfrm rot="5400000">
+            <a:off x="6904343" y="2662813"/>
+            <a:ext cx="2214011" cy="790363"/>
+          </a:xfrm>
+          <a:prstGeom prst="bentConnector3">
+            <a:avLst>
+              <a:gd name="adj1" fmla="val 83631"/>
+            </a:avLst>
+          </a:prstGeom>
+          <a:ln w="28575">
+            <a:solidFill>
+              <a:schemeClr val="tx1"/>
+            </a:solidFill>
+            <a:tailEnd type="triangle"/>
+          </a:ln>
+        </p:spPr>
+        <p:style>
+          <a:lnRef idx="1">
+            <a:schemeClr val="accent1"/>
+          </a:lnRef>
+          <a:fillRef idx="0">
+            <a:schemeClr val="accent1"/>
+          </a:fillRef>
+          <a:effectRef idx="0">
+            <a:schemeClr val="accent1"/>
+          </a:effectRef>
+          <a:fontRef idx="minor">
+            <a:schemeClr val="tx1"/>
+          </a:fontRef>
+        </p:style>
+      </p:cxnSp>
     </p:spTree>
     <p:extLst>
       <p:ext uri="{BB962C8B-B14F-4D97-AF65-F5344CB8AC3E}">
